--- a/_site/translations/es/intermediate/BrickButtons.pptx
+++ b/_site/translations/es/intermediate/BrickButtons.pptx
@@ -219,7 +219,7 @@
           <a:p>
             <a:fld id="{DA1035ED-5FA1-BD4D-ABFA-C98F4B1B9192}" type="datetimeFigureOut">
               <a:rPr lang="en-US" smtClean="0"/>
-              <a:t>1/31/2017</a:t>
+              <a:t>2/5/17</a:t>
             </a:fld>
             <a:endParaRPr lang="en-US"/>
           </a:p>
@@ -285,7 +285,7 @@
           <a:p>
             <a:fld id="{A97D9BCF-5B03-4141-B74C-13303A03D00A}" type="slidenum">
               <a:rPr lang="en-US" smtClean="0"/>
-              <a:t>‹Nº›</a:t>
+              <a:t>‹#›</a:t>
             </a:fld>
             <a:endParaRPr lang="en-US"/>
           </a:p>
@@ -385,7 +385,7 @@
           <a:p>
             <a:fld id="{EE248F52-A887-2249-BA20-412622C14964}" type="datetimeFigureOut">
               <a:rPr lang="en-US" smtClean="0"/>
-              <a:t>1/31/2017</a:t>
+              <a:t>2/5/17</a:t>
             </a:fld>
             <a:endParaRPr lang="en-US"/>
           </a:p>
@@ -543,7 +543,7 @@
           <a:p>
             <a:fld id="{CFE97D02-0BC0-544E-B6BC-7C447191664C}" type="slidenum">
               <a:rPr lang="en-US" smtClean="0"/>
-              <a:t>‹Nº›</a:t>
+              <a:t>‹#›</a:t>
             </a:fld>
             <a:endParaRPr lang="en-US"/>
           </a:p>
@@ -1008,9 +1008,9 @@
           <a:bodyPr/>
           <a:lstStyle/>
           <a:p>
-            <a:fld id="{3B8E2234-8EE9-4A06-A7F5-F174EF18FFF3}" type="datetime1">
+            <a:fld id="{F5567666-D0F5-6044-951C-D46A73D0FD19}" type="datetime1">
               <a:rPr lang="en-US" smtClean="0"/>
-              <a:t>1/31/2017</a:t>
+              <a:t>2/5/17</a:t>
             </a:fld>
             <a:endParaRPr lang="en-US"/>
           </a:p>
@@ -1055,7 +1055,7 @@
           <a:p>
             <a:fld id="{7F5CE407-6216-4202-80E4-A30DC2F709B2}" type="slidenum">
               <a:rPr lang="en-US" smtClean="0"/>
-              <a:t>‹Nº›</a:t>
+              <a:t>‹#›</a:t>
             </a:fld>
             <a:endParaRPr lang="en-US"/>
           </a:p>
@@ -1207,7 +1207,7 @@
           <a:noFill/>
           <a:extLst>
             <a:ext uri="{909E8E84-426E-40dd-AFC4-6F175D3DCCD1}">
-              <a14:hiddenFill xmlns:a14="http://schemas.microsoft.com/office/drawing/2010/main" xmlns="">
+              <a14:hiddenFill xmlns="" xmlns:a14="http://schemas.microsoft.com/office/drawing/2010/main">
                 <a:solidFill>
                   <a:srgbClr val="FFFFFF"/>
                 </a:solidFill>
@@ -1336,9 +1336,9 @@
           <a:bodyPr/>
           <a:lstStyle/>
           <a:p>
-            <a:fld id="{2CA46A32-913C-4DA2-A3D8-AA068AE0835C}" type="datetime1">
+            <a:fld id="{B9D98C59-0A85-584D-9197-7DBFEBAB4324}" type="datetime1">
               <a:rPr lang="en-US" smtClean="0"/>
-              <a:t>1/31/2017</a:t>
+              <a:t>2/5/17</a:t>
             </a:fld>
             <a:endParaRPr lang="en-US"/>
           </a:p>
@@ -1383,7 +1383,7 @@
           <a:p>
             <a:fld id="{4382A7F7-08BF-4252-8141-63FB96055BBB}" type="slidenum">
               <a:rPr lang="en-US" smtClean="0"/>
-              <a:t>‹Nº›</a:t>
+              <a:t>‹#›</a:t>
             </a:fld>
             <a:endParaRPr lang="en-US"/>
           </a:p>
@@ -1595,9 +1595,9 @@
           <a:bodyPr/>
           <a:lstStyle/>
           <a:p>
-            <a:fld id="{B38ABFBC-ACD9-48D8-A1CC-82DF1DA8C764}" type="datetime1">
+            <a:fld id="{16590D07-9E9E-1C4C-9A07-3F96212DC401}" type="datetime1">
               <a:rPr lang="en-US" smtClean="0"/>
-              <a:t>1/31/2017</a:t>
+              <a:t>2/5/17</a:t>
             </a:fld>
             <a:endParaRPr lang="en-US"/>
           </a:p>
@@ -1642,7 +1642,7 @@
           <a:p>
             <a:fld id="{4382A7F7-08BF-4252-8141-63FB96055BBB}" type="slidenum">
               <a:rPr lang="en-US" smtClean="0"/>
-              <a:t>‹Nº›</a:t>
+              <a:t>‹#›</a:t>
             </a:fld>
             <a:endParaRPr lang="en-US"/>
           </a:p>
@@ -1849,9 +1849,9 @@
           <a:bodyPr/>
           <a:lstStyle/>
           <a:p>
-            <a:fld id="{55C42284-A491-45EA-884C-86E1F8483FC8}" type="datetime1">
+            <a:fld id="{DB6CCEA0-2A79-5148-8202-5CB0934DE8AA}" type="datetime1">
               <a:rPr lang="en-US" smtClean="0"/>
-              <a:t>1/31/2017</a:t>
+              <a:t>2/5/17</a:t>
             </a:fld>
             <a:endParaRPr lang="en-US"/>
           </a:p>
@@ -1896,7 +1896,7 @@
           <a:p>
             <a:fld id="{7F5CE407-6216-4202-80E4-A30DC2F709B2}" type="slidenum">
               <a:rPr lang="en-US" smtClean="0"/>
-              <a:t>‹Nº›</a:t>
+              <a:t>‹#›</a:t>
             </a:fld>
             <a:endParaRPr lang="en-US"/>
           </a:p>
@@ -2294,9 +2294,9 @@
           <a:bodyPr/>
           <a:lstStyle/>
           <a:p>
-            <a:fld id="{112AE8D3-8E56-4B7F-AE5F-46CBE23B0CFD}" type="datetime1">
+            <a:fld id="{F28DF1EE-B26D-A54D-93BA-CE71ED767C0E}" type="datetime1">
               <a:rPr lang="en-US" smtClean="0"/>
-              <a:t>1/31/2017</a:t>
+              <a:t>2/5/17</a:t>
             </a:fld>
             <a:endParaRPr lang="en-US"/>
           </a:p>
@@ -2341,7 +2341,7 @@
           <a:p>
             <a:fld id="{4382A7F7-08BF-4252-8141-63FB96055BBB}" type="slidenum">
               <a:rPr lang="en-US" smtClean="0"/>
-              <a:t>‹Nº›</a:t>
+              <a:t>‹#›</a:t>
             </a:fld>
             <a:endParaRPr lang="en-US"/>
           </a:p>
@@ -2640,9 +2640,9 @@
           <a:bodyPr/>
           <a:lstStyle/>
           <a:p>
-            <a:fld id="{58AE109B-C68A-413E-B164-04EF4E132973}" type="datetime1">
+            <a:fld id="{30116C03-76C0-0C4E-ACB4-193794B6A818}" type="datetime1">
               <a:rPr lang="en-US" smtClean="0"/>
-              <a:t>1/31/2017</a:t>
+              <a:t>2/5/17</a:t>
             </a:fld>
             <a:endParaRPr lang="en-US"/>
           </a:p>
@@ -2687,7 +2687,7 @@
           <a:p>
             <a:fld id="{162F1D00-BD13-4404-86B0-79703945A0A7}" type="slidenum">
               <a:rPr lang="en-US" smtClean="0"/>
-              <a:t>‹Nº›</a:t>
+              <a:t>‹#›</a:t>
             </a:fld>
             <a:endParaRPr lang="en-US"/>
           </a:p>
@@ -2918,9 +2918,9 @@
           <a:bodyPr/>
           <a:lstStyle/>
           <a:p>
-            <a:fld id="{F4976061-0D1F-4646-92B5-D1189CD4E313}" type="datetime1">
+            <a:fld id="{57E8AF8D-7F22-7E4D-A9AD-5FE576720DD7}" type="datetime1">
               <a:rPr lang="en-US" smtClean="0"/>
-              <a:t>1/31/2017</a:t>
+              <a:t>2/5/17</a:t>
             </a:fld>
             <a:endParaRPr lang="en-US"/>
           </a:p>
@@ -2966,7 +2966,7 @@
           <a:p>
             <a:fld id="{4382A7F7-08BF-4252-8141-63FB96055BBB}" type="slidenum">
               <a:rPr lang="en-US" smtClean="0"/>
-              <a:t>‹Nº›</a:t>
+              <a:t>‹#›</a:t>
             </a:fld>
             <a:endParaRPr lang="en-US"/>
           </a:p>
@@ -3301,9 +3301,9 @@
           <a:bodyPr/>
           <a:lstStyle/>
           <a:p>
-            <a:fld id="{B0B171A5-125A-48A7-88F7-776E8738829B}" type="datetime1">
+            <a:fld id="{F5B817A2-4F62-4947-942B-436DEAF62A3A}" type="datetime1">
               <a:rPr lang="en-US" smtClean="0"/>
-              <a:t>1/31/2017</a:t>
+              <a:t>2/5/17</a:t>
             </a:fld>
             <a:endParaRPr lang="en-US"/>
           </a:p>
@@ -3348,7 +3348,7 @@
           <a:p>
             <a:fld id="{4382A7F7-08BF-4252-8141-63FB96055BBB}" type="slidenum">
               <a:rPr lang="en-US" smtClean="0"/>
-              <a:t>‹Nº›</a:t>
+              <a:t>‹#›</a:t>
             </a:fld>
             <a:endParaRPr lang="en-US"/>
           </a:p>
@@ -3422,9 +3422,9 @@
           <a:bodyPr/>
           <a:lstStyle/>
           <a:p>
-            <a:fld id="{2C82204C-70DE-4498-BAD9-6EE9849ECCB3}" type="datetime1">
+            <a:fld id="{8A0B4BC4-CF26-C64F-8D07-8FD6F5256519}" type="datetime1">
               <a:rPr lang="en-US" smtClean="0"/>
-              <a:t>1/31/2017</a:t>
+              <a:t>2/5/17</a:t>
             </a:fld>
             <a:endParaRPr lang="en-US"/>
           </a:p>
@@ -3469,7 +3469,7 @@
           <a:p>
             <a:fld id="{4382A7F7-08BF-4252-8141-63FB96055BBB}" type="slidenum">
               <a:rPr lang="en-US" smtClean="0"/>
-              <a:t>‹Nº›</a:t>
+              <a:t>‹#›</a:t>
             </a:fld>
             <a:endParaRPr lang="en-US"/>
           </a:p>
@@ -3596,9 +3596,9 @@
           <a:bodyPr/>
           <a:lstStyle/>
           <a:p>
-            <a:fld id="{05D15343-59C2-441A-8F75-A32C45CD794C}" type="datetime1">
+            <a:fld id="{E7B61B13-F4D3-5144-BDC6-66D6B06D3263}" type="datetime1">
               <a:rPr lang="en-US" smtClean="0"/>
-              <a:t>1/31/2017</a:t>
+              <a:t>2/5/17</a:t>
             </a:fld>
             <a:endParaRPr lang="en-US"/>
           </a:p>
@@ -3651,7 +3651,7 @@
           <a:p>
             <a:fld id="{4382A7F7-08BF-4252-8141-63FB96055BBB}" type="slidenum">
               <a:rPr lang="en-US" smtClean="0"/>
-              <a:t>‹Nº›</a:t>
+              <a:t>‹#›</a:t>
             </a:fld>
             <a:endParaRPr lang="en-US"/>
           </a:p>
@@ -3953,9 +3953,9 @@
             </a:lvl1pPr>
           </a:lstStyle>
           <a:p>
-            <a:fld id="{A883D8BA-A56D-4E86-A983-E43D4CBC321A}" type="datetime1">
+            <a:fld id="{2F76C051-300E-114B-A18D-DEA8AC5B100C}" type="datetime1">
               <a:rPr lang="en-US" smtClean="0"/>
-              <a:t>1/31/2017</a:t>
+              <a:t>2/5/17</a:t>
             </a:fld>
             <a:endParaRPr lang="en-US"/>
           </a:p>
@@ -4021,7 +4021,7 @@
           <a:p>
             <a:fld id="{7F5CE407-6216-4202-80E4-A30DC2F709B2}" type="slidenum">
               <a:rPr lang="en-US" smtClean="0"/>
-              <a:t>‹Nº›</a:t>
+              <a:t>‹#›</a:t>
             </a:fld>
             <a:endParaRPr lang="en-US"/>
           </a:p>
@@ -4147,9 +4147,9 @@
           <a:bodyPr/>
           <a:lstStyle/>
           <a:p>
-            <a:fld id="{3C1F9A7F-29D4-4E4A-A505-A54955CD304B}" type="datetime1">
+            <a:fld id="{3D7D9CC8-4FF3-454D-B987-B05A35FA02B3}" type="datetime1">
               <a:rPr lang="en-US" smtClean="0"/>
-              <a:t>1/31/2017</a:t>
+              <a:t>2/5/17</a:t>
             </a:fld>
             <a:endParaRPr lang="en-US"/>
           </a:p>
@@ -4194,7 +4194,7 @@
           <a:p>
             <a:fld id="{4382A7F7-08BF-4252-8141-63FB96055BBB}" type="slidenum">
               <a:rPr lang="en-US" smtClean="0"/>
-              <a:t>‹Nº›</a:t>
+              <a:t>‹#›</a:t>
             </a:fld>
             <a:endParaRPr lang="en-US"/>
           </a:p>
@@ -4511,9 +4511,9 @@
           <a:bodyPr/>
           <a:lstStyle/>
           <a:p>
-            <a:fld id="{59162E3F-B884-4197-B05E-D8C7822B58D2}" type="datetime1">
+            <a:fld id="{43F7994C-13F3-8741-B173-EEE933890FBA}" type="datetime1">
               <a:rPr lang="en-US" smtClean="0"/>
-              <a:t>1/31/2017</a:t>
+              <a:t>2/5/17</a:t>
             </a:fld>
             <a:endParaRPr lang="en-US"/>
           </a:p>
@@ -4558,7 +4558,7 @@
           <a:p>
             <a:fld id="{4382A7F7-08BF-4252-8141-63FB96055BBB}" type="slidenum">
               <a:rPr lang="en-US" smtClean="0"/>
-              <a:t>‹Nº›</a:t>
+              <a:t>‹#›</a:t>
             </a:fld>
             <a:endParaRPr lang="en-US"/>
           </a:p>
@@ -4684,9 +4684,9 @@
           <a:bodyPr/>
           <a:lstStyle/>
           <a:p>
-            <a:fld id="{808A9BD6-CE24-4549-89E6-885479E10C75}" type="datetime1">
+            <a:fld id="{780DC4E0-C478-314A-A0C4-22AFF5BEA461}" type="datetime1">
               <a:rPr lang="en-US" smtClean="0"/>
-              <a:t>1/31/2017</a:t>
+              <a:t>2/5/17</a:t>
             </a:fld>
             <a:endParaRPr lang="en-US"/>
           </a:p>
@@ -4731,7 +4731,7 @@
           <a:p>
             <a:fld id="{4382A7F7-08BF-4252-8141-63FB96055BBB}" type="slidenum">
               <a:rPr lang="en-US" smtClean="0"/>
-              <a:t>‹Nº›</a:t>
+              <a:t>‹#›</a:t>
             </a:fld>
             <a:endParaRPr lang="en-US"/>
           </a:p>
@@ -4943,9 +4943,9 @@
           <a:bodyPr/>
           <a:lstStyle/>
           <a:p>
-            <a:fld id="{B1B2D27D-97FE-4013-B7A6-0F24274A4F5B}" type="datetime1">
+            <a:fld id="{0171509C-C1D6-3D48-8655-A5ADFAB7424C}" type="datetime1">
               <a:rPr lang="en-US" smtClean="0"/>
-              <a:t>1/31/2017</a:t>
+              <a:t>2/5/17</a:t>
             </a:fld>
             <a:endParaRPr lang="en-US"/>
           </a:p>
@@ -4990,7 +4990,7 @@
           <a:p>
             <a:fld id="{4382A7F7-08BF-4252-8141-63FB96055BBB}" type="slidenum">
               <a:rPr lang="en-US" smtClean="0"/>
-              <a:t>‹Nº›</a:t>
+              <a:t>‹#›</a:t>
             </a:fld>
             <a:endParaRPr lang="en-US"/>
           </a:p>
@@ -5289,9 +5289,9 @@
           <a:bodyPr/>
           <a:lstStyle/>
           <a:p>
-            <a:fld id="{E920A8A9-2788-4709-B075-6D1D88E46A7B}" type="datetime1">
+            <a:fld id="{4880157A-DA88-D04A-A3D6-220D28D554FC}" type="datetime1">
               <a:rPr lang="en-US" smtClean="0"/>
-              <a:t>1/31/2017</a:t>
+              <a:t>2/5/17</a:t>
             </a:fld>
             <a:endParaRPr lang="en-US"/>
           </a:p>
@@ -5336,7 +5336,7 @@
           <a:p>
             <a:fld id="{162F1D00-BD13-4404-86B0-79703945A0A7}" type="slidenum">
               <a:rPr lang="en-US" smtClean="0"/>
-              <a:t>‹Nº›</a:t>
+              <a:t>‹#›</a:t>
             </a:fld>
             <a:endParaRPr lang="en-US"/>
           </a:p>
@@ -5567,9 +5567,9 @@
           <a:bodyPr/>
           <a:lstStyle/>
           <a:p>
-            <a:fld id="{C1BCC2E7-E938-4490-9477-51E3DF765143}" type="datetime1">
+            <a:fld id="{F44F79C3-36F0-2B4B-9A1F-02956C808DA2}" type="datetime1">
               <a:rPr lang="en-US" smtClean="0"/>
-              <a:t>1/31/2017</a:t>
+              <a:t>2/5/17</a:t>
             </a:fld>
             <a:endParaRPr lang="en-US"/>
           </a:p>
@@ -5615,7 +5615,7 @@
           <a:p>
             <a:fld id="{4382A7F7-08BF-4252-8141-63FB96055BBB}" type="slidenum">
               <a:rPr lang="en-US" smtClean="0"/>
-              <a:t>‹Nº›</a:t>
+              <a:t>‹#›</a:t>
             </a:fld>
             <a:endParaRPr lang="en-US"/>
           </a:p>
@@ -5950,9 +5950,9 @@
           <a:bodyPr/>
           <a:lstStyle/>
           <a:p>
-            <a:fld id="{239F8526-1BBF-4C59-8699-64CB3D1B244F}" type="datetime1">
+            <a:fld id="{F5184C01-3674-254B-8975-ADADEB80B68B}" type="datetime1">
               <a:rPr lang="en-US" smtClean="0"/>
-              <a:t>1/31/2017</a:t>
+              <a:t>2/5/17</a:t>
             </a:fld>
             <a:endParaRPr lang="en-US"/>
           </a:p>
@@ -5997,7 +5997,7 @@
           <a:p>
             <a:fld id="{4382A7F7-08BF-4252-8141-63FB96055BBB}" type="slidenum">
               <a:rPr lang="en-US" smtClean="0"/>
-              <a:t>‹Nº›</a:t>
+              <a:t>‹#›</a:t>
             </a:fld>
             <a:endParaRPr lang="en-US"/>
           </a:p>
@@ -6071,9 +6071,9 @@
           <a:bodyPr/>
           <a:lstStyle/>
           <a:p>
-            <a:fld id="{6035D1CA-BF6F-4EF7-A28B-1C9AA5F82A96}" type="datetime1">
+            <a:fld id="{3E11C883-47FA-B743-B0D7-F790469985BB}" type="datetime1">
               <a:rPr lang="en-US" smtClean="0"/>
-              <a:t>1/31/2017</a:t>
+              <a:t>2/5/17</a:t>
             </a:fld>
             <a:endParaRPr lang="en-US"/>
           </a:p>
@@ -6118,7 +6118,7 @@
           <a:p>
             <a:fld id="{4382A7F7-08BF-4252-8141-63FB96055BBB}" type="slidenum">
               <a:rPr lang="en-US" smtClean="0"/>
-              <a:t>‹Nº›</a:t>
+              <a:t>‹#›</a:t>
             </a:fld>
             <a:endParaRPr lang="en-US"/>
           </a:p>
@@ -6245,9 +6245,9 @@
           <a:bodyPr/>
           <a:lstStyle/>
           <a:p>
-            <a:fld id="{6988D5E6-551E-45C1-9C7B-6DC611F3B08E}" type="datetime1">
+            <a:fld id="{6F9E001C-8D42-9442-A19D-14348C312956}" type="datetime1">
               <a:rPr lang="en-US" smtClean="0"/>
-              <a:t>1/31/2017</a:t>
+              <a:t>2/5/17</a:t>
             </a:fld>
             <a:endParaRPr lang="en-US"/>
           </a:p>
@@ -6300,7 +6300,7 @@
           <a:p>
             <a:fld id="{4382A7F7-08BF-4252-8141-63FB96055BBB}" type="slidenum">
               <a:rPr lang="en-US" smtClean="0"/>
-              <a:t>‹Nº›</a:t>
+              <a:t>‹#›</a:t>
             </a:fld>
             <a:endParaRPr lang="en-US"/>
           </a:p>
@@ -6602,9 +6602,9 @@
             </a:lvl1pPr>
           </a:lstStyle>
           <a:p>
-            <a:fld id="{2DAA819A-255F-4E66-BE66-F495098023DA}" type="datetime1">
+            <a:fld id="{27E23245-5499-0E40-A35F-C6B6ED80C7CD}" type="datetime1">
               <a:rPr lang="en-US" smtClean="0"/>
-              <a:t>1/31/2017</a:t>
+              <a:t>2/5/17</a:t>
             </a:fld>
             <a:endParaRPr lang="en-US"/>
           </a:p>
@@ -6670,7 +6670,7 @@
           <a:p>
             <a:fld id="{7F5CE407-6216-4202-80E4-A30DC2F709B2}" type="slidenum">
               <a:rPr lang="en-US" smtClean="0"/>
-              <a:t>‹Nº›</a:t>
+              <a:t>‹#›</a:t>
             </a:fld>
             <a:endParaRPr lang="en-US"/>
           </a:p>
@@ -6987,9 +6987,9 @@
           <a:bodyPr/>
           <a:lstStyle/>
           <a:p>
-            <a:fld id="{39DE76C4-2293-4131-9766-AFEE72B723CA}" type="datetime1">
+            <a:fld id="{237A6BC2-C05F-0A42-BF40-17C25B801F54}" type="datetime1">
               <a:rPr lang="en-US" smtClean="0"/>
-              <a:t>1/31/2017</a:t>
+              <a:t>2/5/17</a:t>
             </a:fld>
             <a:endParaRPr lang="en-US"/>
           </a:p>
@@ -7034,7 +7034,7 @@
           <a:p>
             <a:fld id="{4382A7F7-08BF-4252-8141-63FB96055BBB}" type="slidenum">
               <a:rPr lang="en-US" smtClean="0"/>
-              <a:t>‹Nº›</a:t>
+              <a:t>‹#›</a:t>
             </a:fld>
             <a:endParaRPr lang="en-US"/>
           </a:p>
@@ -7279,9 +7279,9 @@
             </a:lvl1pPr>
           </a:lstStyle>
           <a:p>
-            <a:fld id="{F2DDA51C-0EF9-447B-8052-14A74C37BDDC}" type="datetime1">
+            <a:fld id="{CF4993E5-EC2D-8544-A212-581FD234DB50}" type="datetime1">
               <a:rPr lang="en-US" smtClean="0"/>
-              <a:t>1/31/2017</a:t>
+              <a:t>2/5/17</a:t>
             </a:fld>
             <a:endParaRPr lang="en-US" dirty="0"/>
           </a:p>
@@ -7359,7 +7359,7 @@
           <a:p>
             <a:fld id="{4382A7F7-08BF-4252-8141-63FB96055BBB}" type="slidenum">
               <a:rPr lang="en-US" smtClean="0"/>
-              <a:t>‹Nº›</a:t>
+              <a:t>‹#›</a:t>
             </a:fld>
             <a:endParaRPr lang="en-US"/>
           </a:p>
@@ -7462,7 +7462,7 @@
     <p:sldLayoutId id="2147483913" r:id="rId10"/>
     <p:sldLayoutId id="2147483914" r:id="rId11"/>
   </p:sldLayoutIdLst>
-  <p:hf sldNum="0" hdr="0" dt="0"/>
+  <p:hf hdr="0" dt="0"/>
   <p:txStyles>
     <p:titleStyle>
       <a:lvl1pPr algn="l" defTabSz="914400" rtl="0" eaLnBrk="1" latinLnBrk="0" hangingPunct="1">
@@ -8057,9 +8057,9 @@
             </a:lvl1pPr>
           </a:lstStyle>
           <a:p>
-            <a:fld id="{4800EE58-8E07-47B4-B5C3-C40EF0E1C583}" type="datetime1">
+            <a:fld id="{CA477E41-D7DB-A54B-BD20-E4FBBEFBF3BE}" type="datetime1">
               <a:rPr lang="en-US" smtClean="0"/>
-              <a:t>1/31/2017</a:t>
+              <a:t>2/5/17</a:t>
             </a:fld>
             <a:endParaRPr lang="en-US" dirty="0"/>
           </a:p>
@@ -8137,7 +8137,7 @@
           <a:p>
             <a:fld id="{4382A7F7-08BF-4252-8141-63FB96055BBB}" type="slidenum">
               <a:rPr lang="en-US" smtClean="0"/>
-              <a:t>‹Nº›</a:t>
+              <a:t>‹#›</a:t>
             </a:fld>
             <a:endParaRPr lang="en-US"/>
           </a:p>
@@ -8278,7 +8278,7 @@
     <p:sldLayoutId id="2147483925" r:id="rId10"/>
     <p:sldLayoutId id="2147483926" r:id="rId11"/>
   </p:sldLayoutIdLst>
-  <p:hf sldNum="0" hdr="0" dt="0"/>
+  <p:hf hdr="0" dt="0"/>
   <p:txStyles>
     <p:titleStyle>
       <a:lvl1pPr algn="l" defTabSz="914400" rtl="0" eaLnBrk="1" latinLnBrk="0" hangingPunct="1">
@@ -8762,36 +8762,6 @@
           </a:prstGeom>
         </p:spPr>
       </p:pic>
-      <p:pic>
-        <p:nvPicPr>
-          <p:cNvPr id="3" name="Imagen 2"/>
-          <p:cNvPicPr>
-            <a:picLocks noChangeAspect="1"/>
-          </p:cNvPicPr>
-          <p:nvPr/>
-        </p:nvPicPr>
-        <p:blipFill>
-          <a:blip r:embed="rId4">
-            <a:extLst>
-              <a:ext uri="{28A0092B-C50C-407E-A947-70E740481C1C}">
-                <a14:useLocalDpi xmlns:a14="http://schemas.microsoft.com/office/drawing/2010/main" val="0"/>
-              </a:ext>
-            </a:extLst>
-          </a:blip>
-          <a:stretch>
-            <a:fillRect/>
-          </a:stretch>
-        </p:blipFill>
-        <p:spPr>
-          <a:xfrm>
-            <a:off x="1771608" y="5536202"/>
-            <a:ext cx="5754030" cy="828019"/>
-          </a:xfrm>
-          <a:prstGeom prst="rect">
-            <a:avLst/>
-          </a:prstGeom>
-        </p:spPr>
-      </p:pic>
     </p:spTree>
     <p:extLst>
       <p:ext uri="{BB962C8B-B14F-4D97-AF65-F5344CB8AC3E}">
@@ -8889,7 +8859,7 @@
       </p:sp>
       <p:sp>
         <p:nvSpPr>
-          <p:cNvPr id="4" name="Footer Placeholder 3"/>
+          <p:cNvPr id="6" name="Footer Placeholder 5"/>
           <p:cNvSpPr>
             <a:spLocks noGrp="1"/>
           </p:cNvSpPr>
@@ -8903,10 +8873,33 @@
           <a:lstStyle/>
           <a:p>
             <a:r>
-              <a:rPr lang="en-US"/>
+              <a:rPr lang="en-US" smtClean="0"/>
               <a:t>Copytight © 2015 EV3Lessons.com, Last edit 7/06/2016</a:t>
             </a:r>
-            <a:endParaRPr lang="en-US" dirty="0"/>
+            <a:endParaRPr lang="en-US"/>
+          </a:p>
+        </p:txBody>
+      </p:sp>
+      <p:sp>
+        <p:nvSpPr>
+          <p:cNvPr id="7" name="Slide Number Placeholder 6"/>
+          <p:cNvSpPr>
+            <a:spLocks noGrp="1"/>
+          </p:cNvSpPr>
+          <p:nvPr>
+            <p:ph type="sldNum" sz="quarter" idx="12"/>
+          </p:nvPr>
+        </p:nvSpPr>
+        <p:spPr/>
+        <p:txBody>
+          <a:bodyPr/>
+          <a:lstStyle/>
+          <a:p>
+            <a:fld id="{4382A7F7-08BF-4252-8141-63FB96055BBB}" type="slidenum">
+              <a:rPr lang="en-US" smtClean="0"/>
+              <a:t>2</a:t>
+            </a:fld>
+            <a:endParaRPr lang="en-US"/>
           </a:p>
         </p:txBody>
       </p:sp>
@@ -8993,11 +8986,7 @@
           <a:p>
             <a:r>
               <a:rPr lang="es-MX" dirty="0" smtClean="0"/>
-              <a:t>Pueden ser usados como sensores, para saber si algún botón fue presionado</a:t>
-            </a:r>
-            <a:r>
-              <a:rPr lang="es-MX" dirty="0" smtClean="0"/>
-              <a:t>, para saber cual botón fue presionado y para controlar el programa</a:t>
+              <a:t>Pueden ser usados como sensores, para saber si algún botón fue presionado, para saber cual botón fue presionado y para controlar el programa</a:t>
             </a:r>
           </a:p>
           <a:p>
@@ -9023,28 +9012,6 @@
           </a:p>
           <a:p>
             <a:endParaRPr lang="es-MX" dirty="0"/>
-          </a:p>
-        </p:txBody>
-      </p:sp>
-      <p:sp>
-        <p:nvSpPr>
-          <p:cNvPr id="4" name="Footer Placeholder 3"/>
-          <p:cNvSpPr>
-            <a:spLocks noGrp="1"/>
-          </p:cNvSpPr>
-          <p:nvPr>
-            <p:ph type="ftr" sz="quarter" idx="11"/>
-          </p:nvPr>
-        </p:nvSpPr>
-        <p:spPr/>
-        <p:txBody>
-          <a:bodyPr/>
-          <a:lstStyle/>
-          <a:p>
-            <a:r>
-              <a:rPr lang="en-US"/>
-              <a:t>Copytight © 2015 EV3Lessons.com, Last edit 7/06/2016</a:t>
-            </a:r>
           </a:p>
         </p:txBody>
       </p:sp>
@@ -9077,6 +9044,52 @@
           </a:prstGeom>
         </p:spPr>
       </p:pic>
+      <p:sp>
+        <p:nvSpPr>
+          <p:cNvPr id="6" name="Footer Placeholder 5"/>
+          <p:cNvSpPr>
+            <a:spLocks noGrp="1"/>
+          </p:cNvSpPr>
+          <p:nvPr>
+            <p:ph type="ftr" sz="quarter" idx="11"/>
+          </p:nvPr>
+        </p:nvSpPr>
+        <p:spPr/>
+        <p:txBody>
+          <a:bodyPr/>
+          <a:lstStyle/>
+          <a:p>
+            <a:r>
+              <a:rPr lang="en-US" smtClean="0"/>
+              <a:t>Copytight © 2015 EV3Lessons.com, Last edit 7/06/2016</a:t>
+            </a:r>
+            <a:endParaRPr lang="en-US"/>
+          </a:p>
+        </p:txBody>
+      </p:sp>
+      <p:sp>
+        <p:nvSpPr>
+          <p:cNvPr id="8" name="Slide Number Placeholder 7"/>
+          <p:cNvSpPr>
+            <a:spLocks noGrp="1"/>
+          </p:cNvSpPr>
+          <p:nvPr>
+            <p:ph type="sldNum" sz="quarter" idx="12"/>
+          </p:nvPr>
+        </p:nvSpPr>
+        <p:spPr/>
+        <p:txBody>
+          <a:bodyPr/>
+          <a:lstStyle/>
+          <a:p>
+            <a:fld id="{4382A7F7-08BF-4252-8141-63FB96055BBB}" type="slidenum">
+              <a:rPr lang="en-US" smtClean="0"/>
+              <a:t>3</a:t>
+            </a:fld>
+            <a:endParaRPr lang="en-US"/>
+          </a:p>
+        </p:txBody>
+      </p:sp>
     </p:spTree>
     <p:extLst>
       <p:ext uri="{BB962C8B-B14F-4D97-AF65-F5344CB8AC3E}">
@@ -9131,11 +9144,7 @@
           <a:p>
             <a:r>
               <a:rPr lang="es-MX" dirty="0" smtClean="0"/>
-              <a:t>Desafío</a:t>
-            </a:r>
-            <a:r>
-              <a:rPr lang="es-MX" dirty="0" smtClean="0"/>
-              <a:t> 1: </a:t>
+              <a:t>Desafío 1: </a:t>
             </a:r>
             <a:br>
               <a:rPr lang="es-MX" dirty="0" smtClean="0"/>
@@ -9169,15 +9178,7 @@
                   <a:srgbClr val="FF0000"/>
                 </a:solidFill>
               </a:rPr>
-              <a:t>Desafío</a:t>
-            </a:r>
-            <a:r>
-              <a:rPr lang="es-MX" dirty="0" smtClean="0">
-                <a:solidFill>
-                  <a:srgbClr val="FF0000"/>
-                </a:solidFill>
-              </a:rPr>
-              <a:t>: </a:t>
+              <a:t>Desafío: </a:t>
             </a:r>
             <a:r>
               <a:rPr lang="es-MX" dirty="0" smtClean="0"/>
@@ -9193,11 +9194,7 @@
           <a:p>
             <a:r>
               <a:rPr lang="es-MX" b="1" dirty="0" smtClean="0"/>
-              <a:t>PASO</a:t>
-            </a:r>
-            <a:r>
-              <a:rPr lang="es-MX" b="1" dirty="0" smtClean="0"/>
-              <a:t> 1: </a:t>
+              <a:t>PASO 1: </a:t>
             </a:r>
             <a:r>
               <a:rPr lang="es-MX" dirty="0" smtClean="0"/>
@@ -9217,11 +9214,7 @@
           <a:p>
             <a:r>
               <a:rPr lang="es-MX" b="1" dirty="0" smtClean="0"/>
-              <a:t>PASO</a:t>
-            </a:r>
-            <a:r>
-              <a:rPr lang="es-MX" b="1" dirty="0" smtClean="0"/>
-              <a:t> 3: </a:t>
+              <a:t>PASO 3: </a:t>
             </a:r>
             <a:r>
               <a:rPr lang="es-MX" dirty="0" smtClean="0"/>
@@ -9233,7 +9226,7 @@
       </p:sp>
       <p:sp>
         <p:nvSpPr>
-          <p:cNvPr id="4" name="Footer Placeholder 3"/>
+          <p:cNvPr id="6" name="Footer Placeholder 5"/>
           <p:cNvSpPr>
             <a:spLocks noGrp="1"/>
           </p:cNvSpPr>
@@ -9247,9 +9240,33 @@
           <a:lstStyle/>
           <a:p>
             <a:r>
-              <a:rPr lang="en-US"/>
+              <a:rPr lang="en-US" smtClean="0"/>
               <a:t>Copytight © 2015 EV3Lessons.com, Last edit 7/06/2016</a:t>
             </a:r>
+            <a:endParaRPr lang="en-US"/>
+          </a:p>
+        </p:txBody>
+      </p:sp>
+      <p:sp>
+        <p:nvSpPr>
+          <p:cNvPr id="7" name="Slide Number Placeholder 6"/>
+          <p:cNvSpPr>
+            <a:spLocks noGrp="1"/>
+          </p:cNvSpPr>
+          <p:nvPr>
+            <p:ph type="sldNum" sz="quarter" idx="12"/>
+          </p:nvPr>
+        </p:nvSpPr>
+        <p:spPr/>
+        <p:txBody>
+          <a:bodyPr/>
+          <a:lstStyle/>
+          <a:p>
+            <a:fld id="{4382A7F7-08BF-4252-8141-63FB96055BBB}" type="slidenum">
+              <a:rPr lang="en-US" smtClean="0"/>
+              <a:t>4</a:t>
+            </a:fld>
+            <a:endParaRPr lang="en-US"/>
           </a:p>
         </p:txBody>
       </p:sp>
@@ -9306,28 +9323,6 @@
           </a:p>
         </p:txBody>
       </p:sp>
-      <p:sp>
-        <p:nvSpPr>
-          <p:cNvPr id="4" name="Footer Placeholder 3"/>
-          <p:cNvSpPr>
-            <a:spLocks noGrp="1"/>
-          </p:cNvSpPr>
-          <p:nvPr>
-            <p:ph type="ftr" sz="quarter" idx="11"/>
-          </p:nvPr>
-        </p:nvSpPr>
-        <p:spPr/>
-        <p:txBody>
-          <a:bodyPr/>
-          <a:lstStyle/>
-          <a:p>
-            <a:r>
-              <a:rPr lang="en-US"/>
-              <a:t>Copytight © 2015 EV3Lessons.com, Last edit 7/06/2016</a:t>
-            </a:r>
-          </a:p>
-        </p:txBody>
-      </p:sp>
       <p:pic>
         <p:nvPicPr>
           <p:cNvPr id="10" name="Picture 9" descr="Screen Clipping"/>
@@ -9358,6 +9353,52 @@
           </a:prstGeom>
         </p:spPr>
       </p:pic>
+      <p:sp>
+        <p:nvSpPr>
+          <p:cNvPr id="5" name="Footer Placeholder 4"/>
+          <p:cNvSpPr>
+            <a:spLocks noGrp="1"/>
+          </p:cNvSpPr>
+          <p:nvPr>
+            <p:ph type="ftr" sz="quarter" idx="11"/>
+          </p:nvPr>
+        </p:nvSpPr>
+        <p:spPr/>
+        <p:txBody>
+          <a:bodyPr/>
+          <a:lstStyle/>
+          <a:p>
+            <a:r>
+              <a:rPr lang="en-US" smtClean="0"/>
+              <a:t>Copytight © 2015 EV3Lessons.com, Last edit 7/06/2016</a:t>
+            </a:r>
+            <a:endParaRPr lang="en-US"/>
+          </a:p>
+        </p:txBody>
+      </p:sp>
+      <p:sp>
+        <p:nvSpPr>
+          <p:cNvPr id="6" name="Slide Number Placeholder 5"/>
+          <p:cNvSpPr>
+            <a:spLocks noGrp="1"/>
+          </p:cNvSpPr>
+          <p:nvPr>
+            <p:ph type="sldNum" sz="quarter" idx="12"/>
+          </p:nvPr>
+        </p:nvSpPr>
+        <p:spPr/>
+        <p:txBody>
+          <a:bodyPr/>
+          <a:lstStyle/>
+          <a:p>
+            <a:fld id="{4382A7F7-08BF-4252-8141-63FB96055BBB}" type="slidenum">
+              <a:rPr lang="en-US" smtClean="0"/>
+              <a:t>5</a:t>
+            </a:fld>
+            <a:endParaRPr lang="en-US"/>
+          </a:p>
+        </p:txBody>
+      </p:sp>
     </p:spTree>
     <p:extLst>
       <p:ext uri="{BB962C8B-B14F-4D97-AF65-F5344CB8AC3E}">
@@ -9405,11 +9446,7 @@
           <a:p>
             <a:r>
               <a:rPr lang="es-MX" dirty="0" smtClean="0"/>
-              <a:t>Desafío</a:t>
-            </a:r>
-            <a:r>
-              <a:rPr lang="es-MX" dirty="0" smtClean="0"/>
-              <a:t> 2: Menú con Botones</a:t>
+              <a:t>Desafío 2: Menú con Botones</a:t>
             </a:r>
             <a:endParaRPr lang="es-MX" dirty="0"/>
           </a:p>
@@ -9437,40 +9474,9 @@
           <a:p>
             <a:r>
               <a:rPr lang="es-MX" dirty="0" smtClean="0"/>
-              <a:t>Crea un menú en pantalla usando los botones del bloque EV3 para que actúe basado en el botón que sea</a:t>
-            </a:r>
-            <a:r>
-              <a:rPr lang="es-MX" dirty="0" smtClean="0"/>
-              <a:t> presionado</a:t>
-            </a:r>
-            <a:r>
-              <a:rPr lang="es-MX" dirty="0" smtClean="0"/>
-              <a:t>. Debe ir hacia adelante, atrás, izquierda y derecha.</a:t>
+              <a:t>Crea un menú en pantalla usando los botones del bloque EV3 para que actúe basado en el botón que sea presionado. Debe ir hacia adelante, atrás, izquierda y derecha.</a:t>
             </a:r>
             <a:endParaRPr lang="es-MX" dirty="0"/>
-          </a:p>
-        </p:txBody>
-      </p:sp>
-      <p:sp>
-        <p:nvSpPr>
-          <p:cNvPr id="4" name="Footer Placeholder 3"/>
-          <p:cNvSpPr>
-            <a:spLocks noGrp="1"/>
-          </p:cNvSpPr>
-          <p:nvPr>
-            <p:ph type="ftr" sz="quarter" idx="11"/>
-          </p:nvPr>
-        </p:nvSpPr>
-        <p:spPr/>
-        <p:txBody>
-          <a:bodyPr/>
-          <a:lstStyle/>
-          <a:p>
-            <a:r>
-              <a:rPr lang="en-US"/>
-              <a:t>Copytight © 2015 EV3Lessons.com, Last edit 7/06/2016</a:t>
-            </a:r>
-            <a:endParaRPr lang="en-US" dirty="0"/>
           </a:p>
         </p:txBody>
       </p:sp>
@@ -9554,6 +9560,52 @@
           </a:prstGeom>
         </p:spPr>
       </p:pic>
+      <p:sp>
+        <p:nvSpPr>
+          <p:cNvPr id="7" name="Footer Placeholder 6"/>
+          <p:cNvSpPr>
+            <a:spLocks noGrp="1"/>
+          </p:cNvSpPr>
+          <p:nvPr>
+            <p:ph type="ftr" sz="quarter" idx="11"/>
+          </p:nvPr>
+        </p:nvSpPr>
+        <p:spPr/>
+        <p:txBody>
+          <a:bodyPr/>
+          <a:lstStyle/>
+          <a:p>
+            <a:r>
+              <a:rPr lang="en-US" smtClean="0"/>
+              <a:t>Copytight © 2015 EV3Lessons.com, Last edit 7/06/2016</a:t>
+            </a:r>
+            <a:endParaRPr lang="en-US"/>
+          </a:p>
+        </p:txBody>
+      </p:sp>
+      <p:sp>
+        <p:nvSpPr>
+          <p:cNvPr id="8" name="Slide Number Placeholder 7"/>
+          <p:cNvSpPr>
+            <a:spLocks noGrp="1"/>
+          </p:cNvSpPr>
+          <p:nvPr>
+            <p:ph type="sldNum" sz="quarter" idx="12"/>
+          </p:nvPr>
+        </p:nvSpPr>
+        <p:spPr/>
+        <p:txBody>
+          <a:bodyPr/>
+          <a:lstStyle/>
+          <a:p>
+            <a:fld id="{4382A7F7-08BF-4252-8141-63FB96055BBB}" type="slidenum">
+              <a:rPr lang="en-US" smtClean="0"/>
+              <a:t>6</a:t>
+            </a:fld>
+            <a:endParaRPr lang="en-US"/>
+          </a:p>
+        </p:txBody>
+      </p:sp>
     </p:spTree>
     <p:extLst>
       <p:ext uri="{BB962C8B-B14F-4D97-AF65-F5344CB8AC3E}">
@@ -9609,29 +9661,6 @@
           </a:p>
         </p:txBody>
       </p:sp>
-      <p:sp>
-        <p:nvSpPr>
-          <p:cNvPr id="4" name="Footer Placeholder 3"/>
-          <p:cNvSpPr>
-            <a:spLocks noGrp="1"/>
-          </p:cNvSpPr>
-          <p:nvPr>
-            <p:ph type="ftr" sz="quarter" idx="11"/>
-          </p:nvPr>
-        </p:nvSpPr>
-        <p:spPr/>
-        <p:txBody>
-          <a:bodyPr/>
-          <a:lstStyle/>
-          <a:p>
-            <a:r>
-              <a:rPr lang="en-US"/>
-              <a:t>Copytight © 2015 EV3Lessons.com, Last edit 7/06/2016</a:t>
-            </a:r>
-            <a:endParaRPr lang="en-US" dirty="0"/>
-          </a:p>
-        </p:txBody>
-      </p:sp>
       <p:pic>
         <p:nvPicPr>
           <p:cNvPr id="8" name="Picture 7" descr="Screen Clipping"/>
@@ -9686,13 +9715,55 @@
           <a:p>
             <a:r>
               <a:rPr lang="es-MX" dirty="0" smtClean="0"/>
-              <a:t>Note que si la acción dentro del Interruptor se ejecuta mas rápido que el tiempo que el botón es presionado </a:t>
-            </a:r>
-            <a:r>
-              <a:rPr lang="es-MX" dirty="0" smtClean="0"/>
-              <a:t>(como asignar una variable o mostrar el valor de un sensor), el bucle (y por consecuencia la acción) será repetido múltiples veces</a:t>
+              <a:t>Note que si la acción dentro del Interruptor se ejecuta mas rápido que el tiempo que el botón es presionado (como asignar una variable o mostrar el valor de un sensor), el bucle (y por consecuencia la acción) será repetido múltiples veces</a:t>
             </a:r>
             <a:endParaRPr lang="es-MX" dirty="0"/>
+          </a:p>
+        </p:txBody>
+      </p:sp>
+      <p:sp>
+        <p:nvSpPr>
+          <p:cNvPr id="5" name="Footer Placeholder 4"/>
+          <p:cNvSpPr>
+            <a:spLocks noGrp="1"/>
+          </p:cNvSpPr>
+          <p:nvPr>
+            <p:ph type="ftr" sz="quarter" idx="11"/>
+          </p:nvPr>
+        </p:nvSpPr>
+        <p:spPr/>
+        <p:txBody>
+          <a:bodyPr/>
+          <a:lstStyle/>
+          <a:p>
+            <a:r>
+              <a:rPr lang="en-US" smtClean="0"/>
+              <a:t>Copytight © 2015 EV3Lessons.com, Last edit 7/06/2016</a:t>
+            </a:r>
+            <a:endParaRPr lang="en-US"/>
+          </a:p>
+        </p:txBody>
+      </p:sp>
+      <p:sp>
+        <p:nvSpPr>
+          <p:cNvPr id="6" name="Slide Number Placeholder 5"/>
+          <p:cNvSpPr>
+            <a:spLocks noGrp="1"/>
+          </p:cNvSpPr>
+          <p:nvPr>
+            <p:ph type="sldNum" sz="quarter" idx="12"/>
+          </p:nvPr>
+        </p:nvSpPr>
+        <p:spPr/>
+        <p:txBody>
+          <a:bodyPr/>
+          <a:lstStyle/>
+          <a:p>
+            <a:fld id="{4382A7F7-08BF-4252-8141-63FB96055BBB}" type="slidenum">
+              <a:rPr lang="en-US" smtClean="0"/>
+              <a:t>7</a:t>
+            </a:fld>
+            <a:endParaRPr lang="en-US"/>
           </a:p>
         </p:txBody>
       </p:sp>
@@ -9772,15 +9843,7 @@
           <a:p>
             <a:r>
               <a:rPr lang="es-MX" dirty="0" smtClean="0"/>
-              <a:t>Mas </a:t>
-            </a:r>
-            <a:r>
-              <a:rPr lang="es-MX" dirty="0" smtClean="0"/>
-              <a:t>lecciones disponibles en</a:t>
-            </a:r>
-            <a:r>
-              <a:rPr lang="es-MX" dirty="0" smtClean="0"/>
-              <a:t> </a:t>
+              <a:t>Mas lecciones disponibles en </a:t>
             </a:r>
             <a:r>
               <a:rPr lang="es-MX" dirty="0" smtClean="0">
@@ -9799,29 +9862,6 @@
               <a:t>Traducido por David Daniel Galván Medrano</a:t>
             </a:r>
             <a:endParaRPr lang="es-MX" dirty="0"/>
-          </a:p>
-        </p:txBody>
-      </p:sp>
-      <p:sp>
-        <p:nvSpPr>
-          <p:cNvPr id="4" name="Footer Placeholder 3"/>
-          <p:cNvSpPr>
-            <a:spLocks noGrp="1"/>
-          </p:cNvSpPr>
-          <p:nvPr>
-            <p:ph type="ftr" sz="quarter" idx="11"/>
-          </p:nvPr>
-        </p:nvSpPr>
-        <p:spPr/>
-        <p:txBody>
-          <a:bodyPr/>
-          <a:lstStyle/>
-          <a:p>
-            <a:r>
-              <a:rPr lang="en-US"/>
-              <a:t>Copytight © 2015 EV3Lessons.com, Last edit 7/06/2016</a:t>
-            </a:r>
-            <a:endParaRPr lang="en-US" dirty="0"/>
           </a:p>
         </p:txBody>
       </p:sp>
@@ -9850,7 +9890,7 @@
           <a:effectLst/>
           <a:extLst>
             <a:ext uri="{91240B29-F687-4f45-9708-019B960494DF}">
-              <a14:hiddenLine xmlns:a14="http://schemas.microsoft.com/office/drawing/2010/main" xmlns="" w="9525">
+              <a14:hiddenLine xmlns="" xmlns:a14="http://schemas.microsoft.com/office/drawing/2010/main" w="9525">
                 <a:solidFill>
                   <a:schemeClr val="tx1"/>
                 </a:solidFill>
@@ -9860,7 +9900,7 @@
               </a14:hiddenLine>
             </a:ext>
             <a:ext uri="{AF507438-7753-43e0-B8FC-AC1667EBCBE1}">
-              <a14:hiddenEffects xmlns:a14="http://schemas.microsoft.com/office/drawing/2010/main" xmlns="">
+              <a14:hiddenEffects xmlns="" xmlns:a14="http://schemas.microsoft.com/office/drawing/2010/main">
                 <a:effectLst>
                   <a:outerShdw dist="35921" dir="2700000" algn="ctr" rotWithShape="0">
                     <a:schemeClr val="bg2"/>
@@ -10213,7 +10253,7 @@
           <a:noFill/>
           <a:extLst>
             <a:ext uri="{909E8E84-426E-40dd-AFC4-6F175D3DCCD1}">
-              <a14:hiddenFill xmlns:a14="http://schemas.microsoft.com/office/drawing/2010/main" xmlns="">
+              <a14:hiddenFill xmlns="" xmlns:a14="http://schemas.microsoft.com/office/drawing/2010/main">
                 <a:solidFill>
                   <a:srgbClr val="FFFFFF"/>
                 </a:solidFill>
@@ -10222,6 +10262,52 @@
           </a:extLst>
         </p:spPr>
       </p:pic>
+      <p:sp>
+        <p:nvSpPr>
+          <p:cNvPr id="7" name="Footer Placeholder 6"/>
+          <p:cNvSpPr>
+            <a:spLocks noGrp="1"/>
+          </p:cNvSpPr>
+          <p:nvPr>
+            <p:ph type="ftr" sz="quarter" idx="11"/>
+          </p:nvPr>
+        </p:nvSpPr>
+        <p:spPr/>
+        <p:txBody>
+          <a:bodyPr/>
+          <a:lstStyle/>
+          <a:p>
+            <a:r>
+              <a:rPr lang="en-US" smtClean="0"/>
+              <a:t>Copytight © 2015 EV3Lessons.com, Last edit 7/06/2016</a:t>
+            </a:r>
+            <a:endParaRPr lang="en-US"/>
+          </a:p>
+        </p:txBody>
+      </p:sp>
+      <p:sp>
+        <p:nvSpPr>
+          <p:cNvPr id="8" name="Slide Number Placeholder 7"/>
+          <p:cNvSpPr>
+            <a:spLocks noGrp="1"/>
+          </p:cNvSpPr>
+          <p:nvPr>
+            <p:ph type="sldNum" sz="quarter" idx="12"/>
+          </p:nvPr>
+        </p:nvSpPr>
+        <p:spPr/>
+        <p:txBody>
+          <a:bodyPr/>
+          <a:lstStyle/>
+          <a:p>
+            <a:fld id="{4382A7F7-08BF-4252-8141-63FB96055BBB}" type="slidenum">
+              <a:rPr lang="en-US" smtClean="0"/>
+              <a:t>8</a:t>
+            </a:fld>
+            <a:endParaRPr lang="en-US"/>
+          </a:p>
+        </p:txBody>
+      </p:sp>
     </p:spTree>
     <p:extLst>
       <p:ext uri="{BB962C8B-B14F-4D97-AF65-F5344CB8AC3E}">
